--- a/day5/pyspark_transformation.pptx
+++ b/day5/pyspark_transformation.pptx
@@ -21,6 +21,10 @@
     <p:sldId id="268" r:id="rId16"/>
     <p:sldId id="269" r:id="rId17"/>
     <p:sldId id="270" r:id="rId18"/>
+    <p:sldId id="271" r:id="rId19"/>
+    <p:sldId id="272" r:id="rId20"/>
+    <p:sldId id="273" r:id="rId21"/>
+    <p:sldId id="274" r:id="rId22"/>
   </p:sldIdLst>
   <p:sldSz cx="9144000" cy="6858000"/>
   <p:notesSz cx="7772400" cy="10058400"/>
@@ -4033,9 +4037,313 @@
           <a:chExt cx="0" cy="0"/>
         </a:xfrm>
       </p:grpSpPr>
-      <p:sp>
-        <p:nvSpPr>
-          <p:cNvPr id="119" name="CustomShape 1"/>
+      <p:pic>
+        <p:nvPicPr>
+          <p:cNvPr id="119" name="" descr=""/>
+          <p:cNvPicPr/>
+          <p:nvPr/>
+        </p:nvPicPr>
+        <p:blipFill>
+          <a:blip r:embed="rId1"/>
+          <a:stretch/>
+        </p:blipFill>
+        <p:spPr>
+          <a:xfrm>
+            <a:off x="0" y="392400"/>
+            <a:ext cx="9143640" cy="1344960"/>
+          </a:xfrm>
+          <a:prstGeom prst="rect">
+            <a:avLst/>
+          </a:prstGeom>
+          <a:ln>
+            <a:noFill/>
+          </a:ln>
+        </p:spPr>
+      </p:pic>
+      <p:pic>
+        <p:nvPicPr>
+          <p:cNvPr id="120" name="" descr=""/>
+          <p:cNvPicPr/>
+          <p:nvPr/>
+        </p:nvPicPr>
+        <p:blipFill>
+          <a:blip r:embed="rId2"/>
+          <a:stretch/>
+        </p:blipFill>
+        <p:spPr>
+          <a:xfrm>
+            <a:off x="17640" y="2113200"/>
+            <a:ext cx="9143640" cy="1178640"/>
+          </a:xfrm>
+          <a:prstGeom prst="rect">
+            <a:avLst/>
+          </a:prstGeom>
+          <a:ln>
+            <a:noFill/>
+          </a:ln>
+        </p:spPr>
+      </p:pic>
+      <p:pic>
+        <p:nvPicPr>
+          <p:cNvPr id="121" name="" descr=""/>
+          <p:cNvPicPr/>
+          <p:nvPr/>
+        </p:nvPicPr>
+        <p:blipFill>
+          <a:blip r:embed="rId3"/>
+          <a:stretch/>
+        </p:blipFill>
+        <p:spPr>
+          <a:xfrm>
+            <a:off x="0" y="4149360"/>
+            <a:ext cx="9086400" cy="1885680"/>
+          </a:xfrm>
+          <a:prstGeom prst="rect">
+            <a:avLst/>
+          </a:prstGeom>
+          <a:ln>
+            <a:noFill/>
+          </a:ln>
+        </p:spPr>
+      </p:pic>
+    </p:spTree>
+  </p:cSld>
+  <mc:AlternateContent>
+    <mc:Choice Requires="p14">
+      <p:transition spd="slow" p14:dur="2000"/>
+    </mc:Choice>
+    <mc:Fallback>
+      <p:transition spd="slow"/>
+    </mc:Fallback>
+  </mc:AlternateContent>
+</p:sld>
+</file>
+
+<file path=ppt/slides/slide16.xml><?xml version="1.0" encoding="utf-8"?>
+<p:sld xmlns:a="http://schemas.openxmlformats.org/drawingml/2006/main" xmlns:p="http://schemas.openxmlformats.org/presentationml/2006/main" xmlns:r="http://schemas.openxmlformats.org/officeDocument/2006/relationships" xmlns:p14="http://schemas.microsoft.com/office/powerpoint/2010/main" xmlns:p15="http://schemas.microsoft.com/office/powerpoint/2012/main" xmlns:mc="http://schemas.openxmlformats.org/markup-compatibility/2006">
+  <p:cSld>
+    <p:spTree>
+      <p:nvGrpSpPr>
+        <p:cNvPr id="1" name=""/>
+        <p:cNvGrpSpPr/>
+        <p:nvPr/>
+      </p:nvGrpSpPr>
+      <p:grpSpPr>
+        <a:xfrm>
+          <a:off x="0" y="0"/>
+          <a:ext cx="0" cy="0"/>
+          <a:chOff x="0" y="0"/>
+          <a:chExt cx="0" cy="0"/>
+        </a:xfrm>
+      </p:grpSpPr>
+      <p:pic>
+        <p:nvPicPr>
+          <p:cNvPr id="122" name="" descr=""/>
+          <p:cNvPicPr/>
+          <p:nvPr/>
+        </p:nvPicPr>
+        <p:blipFill>
+          <a:blip r:embed="rId1"/>
+          <a:stretch/>
+        </p:blipFill>
+        <p:spPr>
+          <a:xfrm>
+            <a:off x="360" y="274320"/>
+            <a:ext cx="9143640" cy="1255320"/>
+          </a:xfrm>
+          <a:prstGeom prst="rect">
+            <a:avLst/>
+          </a:prstGeom>
+          <a:ln>
+            <a:noFill/>
+          </a:ln>
+        </p:spPr>
+      </p:pic>
+      <p:pic>
+        <p:nvPicPr>
+          <p:cNvPr id="123" name="" descr=""/>
+          <p:cNvPicPr/>
+          <p:nvPr/>
+        </p:nvPicPr>
+        <p:blipFill>
+          <a:blip r:embed="rId2"/>
+          <a:stretch/>
+        </p:blipFill>
+        <p:spPr>
+          <a:xfrm>
+            <a:off x="61200" y="2194560"/>
+            <a:ext cx="8991360" cy="1504440"/>
+          </a:xfrm>
+          <a:prstGeom prst="rect">
+            <a:avLst/>
+          </a:prstGeom>
+          <a:ln>
+            <a:noFill/>
+          </a:ln>
+        </p:spPr>
+      </p:pic>
+      <p:pic>
+        <p:nvPicPr>
+          <p:cNvPr id="124" name="" descr=""/>
+          <p:cNvPicPr/>
+          <p:nvPr/>
+        </p:nvPicPr>
+        <p:blipFill>
+          <a:blip r:embed="rId3"/>
+          <a:stretch/>
+        </p:blipFill>
+        <p:spPr>
+          <a:xfrm>
+            <a:off x="7920" y="4317120"/>
+            <a:ext cx="8953200" cy="1809360"/>
+          </a:xfrm>
+          <a:prstGeom prst="rect">
+            <a:avLst/>
+          </a:prstGeom>
+          <a:ln>
+            <a:noFill/>
+          </a:ln>
+        </p:spPr>
+      </p:pic>
+    </p:spTree>
+  </p:cSld>
+  <mc:AlternateContent>
+    <mc:Choice Requires="p14">
+      <p:transition spd="slow" p14:dur="2000"/>
+    </mc:Choice>
+    <mc:Fallback>
+      <p:transition spd="slow"/>
+    </mc:Fallback>
+  </mc:AlternateContent>
+</p:sld>
+</file>
+
+<file path=ppt/slides/slide17.xml><?xml version="1.0" encoding="utf-8"?>
+<p:sld xmlns:a="http://schemas.openxmlformats.org/drawingml/2006/main" xmlns:p="http://schemas.openxmlformats.org/presentationml/2006/main" xmlns:r="http://schemas.openxmlformats.org/officeDocument/2006/relationships" xmlns:p14="http://schemas.microsoft.com/office/powerpoint/2010/main" xmlns:p15="http://schemas.microsoft.com/office/powerpoint/2012/main" xmlns:mc="http://schemas.openxmlformats.org/markup-compatibility/2006">
+  <p:cSld>
+    <p:spTree>
+      <p:nvGrpSpPr>
+        <p:cNvPr id="1" name=""/>
+        <p:cNvGrpSpPr/>
+        <p:nvPr/>
+      </p:nvGrpSpPr>
+      <p:grpSpPr>
+        <a:xfrm>
+          <a:off x="0" y="0"/>
+          <a:ext cx="0" cy="0"/>
+          <a:chOff x="0" y="0"/>
+          <a:chExt cx="0" cy="0"/>
+        </a:xfrm>
+      </p:grpSpPr>
+      <p:pic>
+        <p:nvPicPr>
+          <p:cNvPr id="125" name="" descr=""/>
+          <p:cNvPicPr/>
+          <p:nvPr/>
+        </p:nvPicPr>
+        <p:blipFill>
+          <a:blip r:embed="rId1"/>
+          <a:stretch/>
+        </p:blipFill>
+        <p:spPr>
+          <a:xfrm>
+            <a:off x="236880" y="1236960"/>
+            <a:ext cx="8705520" cy="4400280"/>
+          </a:xfrm>
+          <a:prstGeom prst="rect">
+            <a:avLst/>
+          </a:prstGeom>
+          <a:ln>
+            <a:noFill/>
+          </a:ln>
+        </p:spPr>
+      </p:pic>
+    </p:spTree>
+  </p:cSld>
+  <mc:AlternateContent>
+    <mc:Choice Requires="p14">
+      <p:transition spd="slow" p14:dur="2000"/>
+    </mc:Choice>
+    <mc:Fallback>
+      <p:transition spd="slow"/>
+    </mc:Fallback>
+  </mc:AlternateContent>
+</p:sld>
+</file>
+
+<file path=ppt/slides/slide18.xml><?xml version="1.0" encoding="utf-8"?>
+<p:sld xmlns:a="http://schemas.openxmlformats.org/drawingml/2006/main" xmlns:p="http://schemas.openxmlformats.org/presentationml/2006/main" xmlns:r="http://schemas.openxmlformats.org/officeDocument/2006/relationships" xmlns:p14="http://schemas.microsoft.com/office/powerpoint/2010/main" xmlns:p15="http://schemas.microsoft.com/office/powerpoint/2012/main" xmlns:mc="http://schemas.openxmlformats.org/markup-compatibility/2006">
+  <p:cSld>
+    <p:spTree>
+      <p:nvGrpSpPr>
+        <p:cNvPr id="1" name=""/>
+        <p:cNvGrpSpPr/>
+        <p:nvPr/>
+      </p:nvGrpSpPr>
+      <p:grpSpPr>
+        <a:xfrm>
+          <a:off x="0" y="0"/>
+          <a:ext cx="0" cy="0"/>
+          <a:chOff x="0" y="0"/>
+          <a:chExt cx="0" cy="0"/>
+        </a:xfrm>
+      </p:grpSpPr>
+      <p:pic>
+        <p:nvPicPr>
+          <p:cNvPr id="126" name="" descr=""/>
+          <p:cNvPicPr/>
+          <p:nvPr/>
+        </p:nvPicPr>
+        <p:blipFill>
+          <a:blip r:embed="rId1"/>
+          <a:stretch/>
+        </p:blipFill>
+        <p:spPr>
+          <a:xfrm>
+            <a:off x="65520" y="846720"/>
+            <a:ext cx="9048240" cy="5181120"/>
+          </a:xfrm>
+          <a:prstGeom prst="rect">
+            <a:avLst/>
+          </a:prstGeom>
+          <a:ln>
+            <a:noFill/>
+          </a:ln>
+        </p:spPr>
+      </p:pic>
+    </p:spTree>
+  </p:cSld>
+  <mc:AlternateContent>
+    <mc:Choice Requires="p14">
+      <p:transition spd="slow" p14:dur="2000"/>
+    </mc:Choice>
+    <mc:Fallback>
+      <p:transition spd="slow"/>
+    </mc:Fallback>
+  </mc:AlternateContent>
+</p:sld>
+</file>
+
+<file path=ppt/slides/slide19.xml><?xml version="1.0" encoding="utf-8"?>
+<p:sld xmlns:a="http://schemas.openxmlformats.org/drawingml/2006/main" xmlns:p="http://schemas.openxmlformats.org/presentationml/2006/main" xmlns:r="http://schemas.openxmlformats.org/officeDocument/2006/relationships" xmlns:p14="http://schemas.microsoft.com/office/powerpoint/2010/main" xmlns:p15="http://schemas.microsoft.com/office/powerpoint/2012/main" xmlns:mc="http://schemas.openxmlformats.org/markup-compatibility/2006">
+  <p:cSld>
+    <p:spTree>
+      <p:nvGrpSpPr>
+        <p:cNvPr id="1" name=""/>
+        <p:cNvGrpSpPr/>
+        <p:nvPr/>
+      </p:nvGrpSpPr>
+      <p:grpSpPr>
+        <a:xfrm>
+          <a:off x="0" y="0"/>
+          <a:ext cx="0" cy="0"/>
+          <a:chOff x="0" y="0"/>
+          <a:chExt cx="0" cy="0"/>
+        </a:xfrm>
+      </p:grpSpPr>
+      <p:sp>
+        <p:nvSpPr>
+          <p:cNvPr id="127" name="CustomShape 1"/>
           <p:cNvSpPr/>
           <p:nvPr/>
         </p:nvSpPr>

--- a/day5/pyspark_transformation.pptx
+++ b/day5/pyspark_transformation.pptx
@@ -25,6 +25,8 @@
     <p:sldId id="272" r:id="rId20"/>
     <p:sldId id="273" r:id="rId21"/>
     <p:sldId id="274" r:id="rId22"/>
+    <p:sldId id="275" r:id="rId23"/>
+    <p:sldId id="276" r:id="rId24"/>
   </p:sldIdLst>
   <p:sldSz cx="9144000" cy="6858000"/>
   <p:notesSz cx="7772400" cy="10058400"/>
@@ -3289,7 +3291,7 @@
         <p:spPr>
           <a:xfrm>
             <a:off x="611640" y="2441520"/>
-            <a:ext cx="7769880" cy="1467360"/>
+            <a:ext cx="7769520" cy="1467000"/>
           </a:xfrm>
           <a:prstGeom prst="rect">
             <a:avLst/>
@@ -3340,7 +3342,7 @@
         <p:spPr>
           <a:xfrm>
             <a:off x="155520" y="-144360"/>
-            <a:ext cx="302400" cy="302400"/>
+            <a:ext cx="302040" cy="302040"/>
           </a:xfrm>
           <a:prstGeom prst="rect">
             <a:avLst/>
@@ -3370,7 +3372,7 @@
         <p:spPr>
           <a:xfrm>
             <a:off x="155520" y="160200"/>
-            <a:ext cx="4773960" cy="1850760"/>
+            <a:ext cx="4773600" cy="1850400"/>
           </a:xfrm>
           <a:prstGeom prst="rect">
             <a:avLst/>
@@ -3389,7 +3391,7 @@
         <p:spPr>
           <a:xfrm>
             <a:off x="2468880" y="3910320"/>
-            <a:ext cx="2467440" cy="344880"/>
+            <a:ext cx="2467080" cy="344520"/>
           </a:xfrm>
           <a:prstGeom prst="rect">
             <a:avLst/>
@@ -3474,7 +3476,7 @@
         <p:spPr>
           <a:xfrm>
             <a:off x="360" y="474480"/>
-            <a:ext cx="9143640" cy="714240"/>
+            <a:ext cx="9143280" cy="713880"/>
           </a:xfrm>
           <a:prstGeom prst="rect">
             <a:avLst/>
@@ -3497,7 +3499,7 @@
         <p:spPr>
           <a:xfrm>
             <a:off x="360" y="1554480"/>
-            <a:ext cx="7772040" cy="1695240"/>
+            <a:ext cx="7771680" cy="1694880"/>
           </a:xfrm>
           <a:prstGeom prst="rect">
             <a:avLst/>
@@ -3520,7 +3522,7 @@
         <p:spPr>
           <a:xfrm>
             <a:off x="91440" y="3749040"/>
-            <a:ext cx="6552720" cy="1904760"/>
+            <a:ext cx="6552360" cy="1904400"/>
           </a:xfrm>
           <a:prstGeom prst="rect">
             <a:avLst/>
@@ -3573,7 +3575,7 @@
         <p:spPr>
           <a:xfrm>
             <a:off x="0" y="325080"/>
-            <a:ext cx="9143640" cy="772200"/>
+            <a:ext cx="9143280" cy="771840"/>
           </a:xfrm>
           <a:prstGeom prst="rect">
             <a:avLst/>
@@ -3596,7 +3598,7 @@
         <p:spPr>
           <a:xfrm>
             <a:off x="360" y="1828800"/>
-            <a:ext cx="9143640" cy="944280"/>
+            <a:ext cx="9143280" cy="943920"/>
           </a:xfrm>
           <a:prstGeom prst="rect">
             <a:avLst/>
@@ -3619,7 +3621,7 @@
         <p:spPr>
           <a:xfrm>
             <a:off x="0" y="3277080"/>
-            <a:ext cx="7067160" cy="1752120"/>
+            <a:ext cx="7066800" cy="1751760"/>
           </a:xfrm>
           <a:prstGeom prst="rect">
             <a:avLst/>
@@ -3661,14 +3663,14 @@
       </p:grpSpPr>
       <p:sp>
         <p:nvSpPr>
-          <p:cNvPr id="110" name="TextShape 1"/>
-          <p:cNvSpPr txBox="1"/>
+          <p:cNvPr id="110" name="CustomShape 1"/>
+          <p:cNvSpPr/>
           <p:nvPr/>
         </p:nvSpPr>
         <p:spPr>
           <a:xfrm>
             <a:off x="0" y="358560"/>
-            <a:ext cx="7238520" cy="1126080"/>
+            <a:ext cx="7238160" cy="1125720"/>
           </a:xfrm>
           <a:prstGeom prst="rect">
             <a:avLst/>
@@ -3678,11 +3680,22 @@
             <a:noFill/>
           </a:ln>
         </p:spPr>
+        <p:style>
+          <a:lnRef idx="0"/>
+          <a:fillRef idx="0"/>
+          <a:effectRef idx="0"/>
+          <a:fontRef idx="minor"/>
+        </p:style>
         <p:txBody>
           <a:bodyPr lIns="90000" rIns="90000" tIns="45000" bIns="45000">
             <a:noAutofit/>
           </a:bodyPr>
           <a:p>
+            <a:pPr>
+              <a:lnSpc>
+                <a:spcPct val="100000"/>
+              </a:lnSpc>
+            </a:pPr>
             <a:r>
               <a:rPr b="0" i="1" lang="en-US" sz="1000" spc="-1" strike="noStrike">
                 <a:solidFill>
@@ -3720,6 +3733,11 @@
             </a:endParaRPr>
           </a:p>
           <a:p>
+            <a:pPr>
+              <a:lnSpc>
+                <a:spcPct val="100000"/>
+              </a:lnSpc>
+            </a:pPr>
             <a:r>
               <a:rPr b="0" lang="en-US" sz="1000" spc="-1" strike="noStrike">
                 <a:solidFill>
@@ -3746,6 +3764,11 @@
             </a:endParaRPr>
           </a:p>
           <a:p>
+            <a:pPr>
+              <a:lnSpc>
+                <a:spcPct val="100000"/>
+              </a:lnSpc>
+            </a:pPr>
             <a:r>
               <a:rPr b="0" lang="en-US" sz="1000" spc="-1" strike="noStrike">
                 <a:solidFill>
@@ -3776,7 +3799,7 @@
         <p:spPr>
           <a:xfrm>
             <a:off x="360" y="1737360"/>
-            <a:ext cx="8229240" cy="1294920"/>
+            <a:ext cx="8228880" cy="1294560"/>
           </a:xfrm>
           <a:prstGeom prst="rect">
             <a:avLst/>
@@ -3799,7 +3822,7 @@
         <p:spPr>
           <a:xfrm>
             <a:off x="42120" y="3383280"/>
-            <a:ext cx="9010440" cy="1485720"/>
+            <a:ext cx="9010080" cy="1485360"/>
           </a:xfrm>
           <a:prstGeom prst="rect">
             <a:avLst/>
@@ -3852,7 +3875,7 @@
         <p:spPr>
           <a:xfrm>
             <a:off x="360" y="274320"/>
-            <a:ext cx="9143640" cy="1561680"/>
+            <a:ext cx="9143280" cy="1561320"/>
           </a:xfrm>
           <a:prstGeom prst="rect">
             <a:avLst/>
@@ -3875,7 +3898,7 @@
         <p:spPr>
           <a:xfrm>
             <a:off x="91440" y="2103120"/>
-            <a:ext cx="9143640" cy="1773360"/>
+            <a:ext cx="9143280" cy="1773000"/>
           </a:xfrm>
           <a:prstGeom prst="rect">
             <a:avLst/>
@@ -3898,7 +3921,7 @@
         <p:spPr>
           <a:xfrm>
             <a:off x="91440" y="3898080"/>
-            <a:ext cx="8667360" cy="1771200"/>
+            <a:ext cx="8667000" cy="1770840"/>
           </a:xfrm>
           <a:prstGeom prst="rect">
             <a:avLst/>
@@ -3951,7 +3974,7 @@
         <p:spPr>
           <a:xfrm>
             <a:off x="360" y="145440"/>
-            <a:ext cx="9143640" cy="2049120"/>
+            <a:ext cx="9143280" cy="2048760"/>
           </a:xfrm>
           <a:prstGeom prst="rect">
             <a:avLst/>
@@ -3974,7 +3997,7 @@
         <p:spPr>
           <a:xfrm>
             <a:off x="360" y="2377440"/>
-            <a:ext cx="9143640" cy="1878480"/>
+            <a:ext cx="9143280" cy="1878120"/>
           </a:xfrm>
           <a:prstGeom prst="rect">
             <a:avLst/>
@@ -3997,7 +4020,7 @@
         <p:spPr>
           <a:xfrm>
             <a:off x="91440" y="4389480"/>
-            <a:ext cx="8876880" cy="2285640"/>
+            <a:ext cx="8876520" cy="2285280"/>
           </a:xfrm>
           <a:prstGeom prst="rect">
             <a:avLst/>
@@ -4050,7 +4073,7 @@
         <p:spPr>
           <a:xfrm>
             <a:off x="0" y="392400"/>
-            <a:ext cx="9143640" cy="1344960"/>
+            <a:ext cx="9143280" cy="1344600"/>
           </a:xfrm>
           <a:prstGeom prst="rect">
             <a:avLst/>
@@ -4073,7 +4096,7 @@
         <p:spPr>
           <a:xfrm>
             <a:off x="17640" y="2113200"/>
-            <a:ext cx="9143640" cy="1178640"/>
+            <a:ext cx="9143280" cy="1178280"/>
           </a:xfrm>
           <a:prstGeom prst="rect">
             <a:avLst/>
@@ -4096,7 +4119,7 @@
         <p:spPr>
           <a:xfrm>
             <a:off x="0" y="4149360"/>
-            <a:ext cx="9086400" cy="1885680"/>
+            <a:ext cx="9086040" cy="1885320"/>
           </a:xfrm>
           <a:prstGeom prst="rect">
             <a:avLst/>
@@ -4149,7 +4172,7 @@
         <p:spPr>
           <a:xfrm>
             <a:off x="360" y="274320"/>
-            <a:ext cx="9143640" cy="1255320"/>
+            <a:ext cx="9143280" cy="1254960"/>
           </a:xfrm>
           <a:prstGeom prst="rect">
             <a:avLst/>
@@ -4172,7 +4195,7 @@
         <p:spPr>
           <a:xfrm>
             <a:off x="61200" y="2194560"/>
-            <a:ext cx="8991360" cy="1504440"/>
+            <a:ext cx="8991000" cy="1504080"/>
           </a:xfrm>
           <a:prstGeom prst="rect">
             <a:avLst/>
@@ -4195,7 +4218,7 @@
         <p:spPr>
           <a:xfrm>
             <a:off x="7920" y="4317120"/>
-            <a:ext cx="8953200" cy="1809360"/>
+            <a:ext cx="8952840" cy="1809000"/>
           </a:xfrm>
           <a:prstGeom prst="rect">
             <a:avLst/>
@@ -4248,7 +4271,7 @@
         <p:spPr>
           <a:xfrm>
             <a:off x="236880" y="1236960"/>
-            <a:ext cx="8705520" cy="4400280"/>
+            <a:ext cx="8705160" cy="4399920"/>
           </a:xfrm>
           <a:prstGeom prst="rect">
             <a:avLst/>
@@ -4301,7 +4324,7 @@
         <p:spPr>
           <a:xfrm>
             <a:off x="65520" y="846720"/>
-            <a:ext cx="9048240" cy="5181120"/>
+            <a:ext cx="9047880" cy="5180760"/>
           </a:xfrm>
           <a:prstGeom prst="rect">
             <a:avLst/>
@@ -4341,57 +4364,29 @@
           <a:chExt cx="0" cy="0"/>
         </a:xfrm>
       </p:grpSpPr>
-      <p:sp>
-        <p:nvSpPr>
-          <p:cNvPr id="127" name="CustomShape 1"/>
-          <p:cNvSpPr/>
+      <p:pic>
+        <p:nvPicPr>
+          <p:cNvPr id="127" name="" descr=""/>
+          <p:cNvPicPr/>
           <p:nvPr/>
-        </p:nvSpPr>
-        <p:spPr>
-          <a:xfrm>
-            <a:off x="3320640" y="2637000"/>
-            <a:ext cx="3107160" cy="820800"/>
-          </a:xfrm>
-          <a:prstGeom prst="rect">
-            <a:avLst/>
-          </a:prstGeom>
-          <a:noFill/>
+        </p:nvPicPr>
+        <p:blipFill>
+          <a:blip r:embed="rId1"/>
+          <a:stretch/>
+        </p:blipFill>
+        <p:spPr>
+          <a:xfrm>
+            <a:off x="1725480" y="110880"/>
+            <a:ext cx="5498280" cy="6544440"/>
+          </a:xfrm>
+          <a:prstGeom prst="rect">
+            <a:avLst/>
+          </a:prstGeom>
           <a:ln>
             <a:noFill/>
           </a:ln>
         </p:spPr>
-        <p:style>
-          <a:lnRef idx="0"/>
-          <a:fillRef idx="0"/>
-          <a:effectRef idx="0"/>
-          <a:fontRef idx="minor"/>
-        </p:style>
-        <p:txBody>
-          <a:bodyPr wrap="none" lIns="90000" rIns="90000" tIns="45000" bIns="45000">
-            <a:spAutoFit/>
-          </a:bodyPr>
-          <a:p>
-            <a:pPr>
-              <a:lnSpc>
-                <a:spcPct val="100000"/>
-              </a:lnSpc>
-            </a:pPr>
-            <a:r>
-              <a:rPr b="0" lang="en-US" sz="4800" spc="-1" strike="noStrike">
-                <a:solidFill>
-                  <a:srgbClr val="000000"/>
-                </a:solidFill>
-                <a:latin typeface="Claire Hand"/>
-                <a:ea typeface="DejaVu Sans"/>
-              </a:rPr>
-              <a:t>THANKS !</a:t>
-            </a:r>
-            <a:endParaRPr b="0" lang="en-US" sz="4800" spc="-1" strike="noStrike">
-              <a:latin typeface="Arial"/>
-            </a:endParaRPr>
-          </a:p>
-        </p:txBody>
-      </p:sp>
+      </p:pic>
     </p:spTree>
   </p:cSld>
   <mc:AlternateContent>
@@ -4486,7 +4481,7 @@
         <p:spPr>
           <a:xfrm>
             <a:off x="1920240" y="2468160"/>
-            <a:ext cx="5120640" cy="3201120"/>
+            <a:ext cx="5120280" cy="3200760"/>
           </a:xfrm>
           <a:prstGeom prst="rect">
             <a:avLst/>
@@ -4496,6 +4491,140 @@
           </a:ln>
         </p:spPr>
       </p:pic>
+    </p:spTree>
+  </p:cSld>
+  <mc:AlternateContent>
+    <mc:Choice Requires="p14">
+      <p:transition spd="slow" p14:dur="2000"/>
+    </mc:Choice>
+    <mc:Fallback>
+      <p:transition spd="slow"/>
+    </mc:Fallback>
+  </mc:AlternateContent>
+</p:sld>
+</file>
+
+<file path=ppt/slides/slide20.xml><?xml version="1.0" encoding="utf-8"?>
+<p:sld xmlns:a="http://schemas.openxmlformats.org/drawingml/2006/main" xmlns:p="http://schemas.openxmlformats.org/presentationml/2006/main" xmlns:r="http://schemas.openxmlformats.org/officeDocument/2006/relationships" xmlns:p14="http://schemas.microsoft.com/office/powerpoint/2010/main" xmlns:p15="http://schemas.microsoft.com/office/powerpoint/2012/main" xmlns:mc="http://schemas.openxmlformats.org/markup-compatibility/2006">
+  <p:cSld>
+    <p:spTree>
+      <p:nvGrpSpPr>
+        <p:cNvPr id="1" name=""/>
+        <p:cNvGrpSpPr/>
+        <p:nvPr/>
+      </p:nvGrpSpPr>
+      <p:grpSpPr>
+        <a:xfrm>
+          <a:off x="0" y="0"/>
+          <a:ext cx="0" cy="0"/>
+          <a:chOff x="0" y="0"/>
+          <a:chExt cx="0" cy="0"/>
+        </a:xfrm>
+      </p:grpSpPr>
+      <p:pic>
+        <p:nvPicPr>
+          <p:cNvPr id="128" name="" descr=""/>
+          <p:cNvPicPr/>
+          <p:nvPr/>
+        </p:nvPicPr>
+        <p:blipFill>
+          <a:blip r:embed="rId1"/>
+          <a:stretch/>
+        </p:blipFill>
+        <p:spPr>
+          <a:xfrm>
+            <a:off x="434160" y="110880"/>
+            <a:ext cx="7886880" cy="6482160"/>
+          </a:xfrm>
+          <a:prstGeom prst="rect">
+            <a:avLst/>
+          </a:prstGeom>
+          <a:ln>
+            <a:noFill/>
+          </a:ln>
+        </p:spPr>
+      </p:pic>
+    </p:spTree>
+  </p:cSld>
+  <mc:AlternateContent>
+    <mc:Choice Requires="p14">
+      <p:transition spd="slow" p14:dur="2000"/>
+    </mc:Choice>
+    <mc:Fallback>
+      <p:transition spd="slow"/>
+    </mc:Fallback>
+  </mc:AlternateContent>
+</p:sld>
+</file>
+
+<file path=ppt/slides/slide21.xml><?xml version="1.0" encoding="utf-8"?>
+<p:sld xmlns:a="http://schemas.openxmlformats.org/drawingml/2006/main" xmlns:p="http://schemas.openxmlformats.org/presentationml/2006/main" xmlns:r="http://schemas.openxmlformats.org/officeDocument/2006/relationships" xmlns:p14="http://schemas.microsoft.com/office/powerpoint/2010/main" xmlns:p15="http://schemas.microsoft.com/office/powerpoint/2012/main" xmlns:mc="http://schemas.openxmlformats.org/markup-compatibility/2006">
+  <p:cSld>
+    <p:spTree>
+      <p:nvGrpSpPr>
+        <p:cNvPr id="1" name=""/>
+        <p:cNvGrpSpPr/>
+        <p:nvPr/>
+      </p:nvGrpSpPr>
+      <p:grpSpPr>
+        <a:xfrm>
+          <a:off x="0" y="0"/>
+          <a:ext cx="0" cy="0"/>
+          <a:chOff x="0" y="0"/>
+          <a:chExt cx="0" cy="0"/>
+        </a:xfrm>
+      </p:grpSpPr>
+      <p:sp>
+        <p:nvSpPr>
+          <p:cNvPr id="129" name="CustomShape 1"/>
+          <p:cNvSpPr/>
+          <p:nvPr/>
+        </p:nvSpPr>
+        <p:spPr>
+          <a:xfrm>
+            <a:off x="3320640" y="2637000"/>
+            <a:ext cx="3107160" cy="820800"/>
+          </a:xfrm>
+          <a:prstGeom prst="rect">
+            <a:avLst/>
+          </a:prstGeom>
+          <a:noFill/>
+          <a:ln>
+            <a:noFill/>
+          </a:ln>
+        </p:spPr>
+        <p:style>
+          <a:lnRef idx="0"/>
+          <a:fillRef idx="0"/>
+          <a:effectRef idx="0"/>
+          <a:fontRef idx="minor"/>
+        </p:style>
+        <p:txBody>
+          <a:bodyPr wrap="none" lIns="90000" rIns="90000" tIns="45000" bIns="45000">
+            <a:spAutoFit/>
+          </a:bodyPr>
+          <a:p>
+            <a:pPr>
+              <a:lnSpc>
+                <a:spcPct val="100000"/>
+              </a:lnSpc>
+            </a:pPr>
+            <a:r>
+              <a:rPr b="0" lang="en-US" sz="4800" spc="-1" strike="noStrike">
+                <a:solidFill>
+                  <a:srgbClr val="000000"/>
+                </a:solidFill>
+                <a:latin typeface="Claire Hand"/>
+                <a:ea typeface="DejaVu Sans"/>
+              </a:rPr>
+              <a:t>THANKS !</a:t>
+            </a:r>
+            <a:endParaRPr b="0" lang="en-US" sz="4800" spc="-1" strike="noStrike">
+              <a:latin typeface="Arial"/>
+            </a:endParaRPr>
+          </a:p>
+        </p:txBody>
+      </p:sp>
     </p:spTree>
   </p:cSld>
   <mc:AlternateContent>
@@ -4539,7 +4668,7 @@
         <p:spPr>
           <a:xfrm>
             <a:off x="91440" y="775800"/>
-            <a:ext cx="9143640" cy="1327320"/>
+            <a:ext cx="9143280" cy="1326960"/>
           </a:xfrm>
           <a:prstGeom prst="rect">
             <a:avLst/>
@@ -4562,7 +4691,7 @@
         <p:spPr>
           <a:xfrm>
             <a:off x="0" y="2210040"/>
-            <a:ext cx="9067320" cy="1904760"/>
+            <a:ext cx="9066960" cy="1904400"/>
           </a:xfrm>
           <a:prstGeom prst="rect">
             <a:avLst/>
@@ -4585,7 +4714,7 @@
         <p:spPr>
           <a:xfrm>
             <a:off x="160200" y="4050360"/>
-            <a:ext cx="6972120" cy="2076120"/>
+            <a:ext cx="6971760" cy="2075760"/>
           </a:xfrm>
           <a:prstGeom prst="rect">
             <a:avLst/>
@@ -4638,7 +4767,7 @@
         <p:spPr>
           <a:xfrm>
             <a:off x="360" y="582480"/>
-            <a:ext cx="9143640" cy="1337760"/>
+            <a:ext cx="9143280" cy="1337400"/>
           </a:xfrm>
           <a:prstGeom prst="rect">
             <a:avLst/>
@@ -4661,7 +4790,7 @@
         <p:spPr>
           <a:xfrm>
             <a:off x="91440" y="2252160"/>
-            <a:ext cx="7562520" cy="1314000"/>
+            <a:ext cx="7562160" cy="1313640"/>
           </a:xfrm>
           <a:prstGeom prst="rect">
             <a:avLst/>
@@ -4684,7 +4813,7 @@
         <p:spPr>
           <a:xfrm>
             <a:off x="0" y="3749040"/>
-            <a:ext cx="7429320" cy="1790280"/>
+            <a:ext cx="7428960" cy="1789920"/>
           </a:xfrm>
           <a:prstGeom prst="rect">
             <a:avLst/>
@@ -4737,7 +4866,7 @@
         <p:spPr>
           <a:xfrm>
             <a:off x="0" y="365760"/>
-            <a:ext cx="9143640" cy="1620720"/>
+            <a:ext cx="9143280" cy="1620360"/>
           </a:xfrm>
           <a:prstGeom prst="rect">
             <a:avLst/>
@@ -4760,7 +4889,7 @@
         <p:spPr>
           <a:xfrm>
             <a:off x="23040" y="2320560"/>
-            <a:ext cx="9029520" cy="1428480"/>
+            <a:ext cx="9029160" cy="1428120"/>
           </a:xfrm>
           <a:prstGeom prst="rect">
             <a:avLst/>
@@ -4783,7 +4912,7 @@
         <p:spPr>
           <a:xfrm>
             <a:off x="91800" y="4012920"/>
-            <a:ext cx="8869320" cy="2614680"/>
+            <a:ext cx="8868960" cy="2614320"/>
           </a:xfrm>
           <a:prstGeom prst="rect">
             <a:avLst/>
@@ -4836,7 +4965,7 @@
         <p:spPr>
           <a:xfrm>
             <a:off x="360" y="548640"/>
-            <a:ext cx="9143640" cy="1122840"/>
+            <a:ext cx="9143280" cy="1122480"/>
           </a:xfrm>
           <a:prstGeom prst="rect">
             <a:avLst/>
@@ -4859,7 +4988,7 @@
         <p:spPr>
           <a:xfrm>
             <a:off x="0" y="2016720"/>
-            <a:ext cx="9143640" cy="1092240"/>
+            <a:ext cx="9143280" cy="1091880"/>
           </a:xfrm>
           <a:prstGeom prst="rect">
             <a:avLst/>
@@ -4882,7 +5011,7 @@
         <p:spPr>
           <a:xfrm>
             <a:off x="182880" y="3749040"/>
-            <a:ext cx="7562520" cy="1809360"/>
+            <a:ext cx="7562160" cy="1809000"/>
           </a:xfrm>
           <a:prstGeom prst="rect">
             <a:avLst/>
@@ -4935,7 +5064,7 @@
         <p:spPr>
           <a:xfrm>
             <a:off x="0" y="548640"/>
-            <a:ext cx="9143640" cy="1367640"/>
+            <a:ext cx="9143280" cy="1367280"/>
           </a:xfrm>
           <a:prstGeom prst="rect">
             <a:avLst/>
@@ -4958,7 +5087,7 @@
         <p:spPr>
           <a:xfrm>
             <a:off x="17640" y="2275200"/>
-            <a:ext cx="9143640" cy="1199520"/>
+            <a:ext cx="9143280" cy="1199160"/>
           </a:xfrm>
           <a:prstGeom prst="rect">
             <a:avLst/>
@@ -4981,7 +5110,7 @@
         <p:spPr>
           <a:xfrm>
             <a:off x="91440" y="3931920"/>
-            <a:ext cx="7067160" cy="2457000"/>
+            <a:ext cx="7066800" cy="2456640"/>
           </a:xfrm>
           <a:prstGeom prst="rect">
             <a:avLst/>
@@ -5034,7 +5163,7 @@
         <p:spPr>
           <a:xfrm>
             <a:off x="360" y="182880"/>
-            <a:ext cx="9143640" cy="1528920"/>
+            <a:ext cx="9143280" cy="1528560"/>
           </a:xfrm>
           <a:prstGeom prst="rect">
             <a:avLst/>
@@ -5046,14 +5175,14 @@
       </p:pic>
       <p:sp>
         <p:nvSpPr>
-          <p:cNvPr id="98" name="TextShape 1"/>
-          <p:cNvSpPr txBox="1"/>
+          <p:cNvPr id="98" name="CustomShape 1"/>
+          <p:cNvSpPr/>
           <p:nvPr/>
         </p:nvSpPr>
         <p:spPr>
           <a:xfrm>
             <a:off x="274320" y="2194560"/>
-            <a:ext cx="4915800" cy="830160"/>
+            <a:ext cx="4915440" cy="829800"/>
           </a:xfrm>
           <a:prstGeom prst="rect">
             <a:avLst/>
@@ -5063,11 +5192,22 @@
             <a:noFill/>
           </a:ln>
         </p:spPr>
+        <p:style>
+          <a:lnRef idx="0"/>
+          <a:fillRef idx="0"/>
+          <a:effectRef idx="0"/>
+          <a:fontRef idx="minor"/>
+        </p:style>
         <p:txBody>
           <a:bodyPr lIns="90000" rIns="90000" tIns="45000" bIns="45000">
             <a:noAutofit/>
           </a:bodyPr>
           <a:p>
+            <a:pPr>
+              <a:lnSpc>
+                <a:spcPct val="100000"/>
+              </a:lnSpc>
+            </a:pPr>
             <a:r>
               <a:rPr b="0" i="1" lang="en-US" sz="1000" spc="-1" strike="noStrike">
                 <a:solidFill>
@@ -5112,12 +5252,8 @@
               <a:t>count of the given :class:`DataFrame`.</a:t>
             </a:r>
             <a:br/>
-            <a:endParaRPr b="0" i="1" lang="en-US" sz="1000" spc="-1" strike="noStrike">
-              <a:solidFill>
-                <a:srgbClr val="8c8c8c"/>
-              </a:solidFill>
-              <a:latin typeface="JetBrains Mono"/>
-              <a:ea typeface="JetBrains Mono"/>
+            <a:endParaRPr b="0" lang="en-US" sz="1000" spc="-1" strike="noStrike">
+              <a:latin typeface="Arial"/>
             </a:endParaRPr>
           </a:p>
         </p:txBody>
@@ -5135,7 +5271,7 @@
         <p:spPr>
           <a:xfrm>
             <a:off x="91440" y="3128400"/>
-            <a:ext cx="7886520" cy="1352160"/>
+            <a:ext cx="7886160" cy="1351800"/>
           </a:xfrm>
           <a:prstGeom prst="rect">
             <a:avLst/>
@@ -5158,7 +5294,7 @@
         <p:spPr>
           <a:xfrm>
             <a:off x="91440" y="4663440"/>
-            <a:ext cx="6495840" cy="2114280"/>
+            <a:ext cx="6495480" cy="2113920"/>
           </a:xfrm>
           <a:prstGeom prst="rect">
             <a:avLst/>
@@ -5211,7 +5347,7 @@
         <p:spPr>
           <a:xfrm>
             <a:off x="91440" y="180720"/>
-            <a:ext cx="9143640" cy="1190880"/>
+            <a:ext cx="9143280" cy="1190520"/>
           </a:xfrm>
           <a:prstGeom prst="rect">
             <a:avLst/>
@@ -5234,7 +5370,7 @@
         <p:spPr>
           <a:xfrm>
             <a:off x="91440" y="1787400"/>
-            <a:ext cx="7886520" cy="1504440"/>
+            <a:ext cx="7886160" cy="1504080"/>
           </a:xfrm>
           <a:prstGeom prst="rect">
             <a:avLst/>
@@ -5257,7 +5393,7 @@
         <p:spPr>
           <a:xfrm>
             <a:off x="91440" y="3509280"/>
-            <a:ext cx="6629040" cy="1885680"/>
+            <a:ext cx="6628680" cy="1885320"/>
           </a:xfrm>
           <a:prstGeom prst="rect">
             <a:avLst/>
